--- a/VLSI design 설계 실습/2025-04-10.pptx
+++ b/VLSI design 설계 실습/2025-04-10.pptx
@@ -262,7 +262,7 @@
           <a:p>
             <a:fld id="{F177247E-4D30-4068-912B-FDE8C9049D68}" type="datetimeFigureOut">
               <a:rPr lang="ko-KR" altLang="en-US" smtClean="0"/>
-              <a:t>2025-06-03</a:t>
+              <a:t>2025-06-14</a:t>
             </a:fld>
             <a:endParaRPr lang="ko-KR" altLang="en-US"/>
           </a:p>
@@ -430,7 +430,7 @@
           <a:p>
             <a:fld id="{F177247E-4D30-4068-912B-FDE8C9049D68}" type="datetimeFigureOut">
               <a:rPr lang="ko-KR" altLang="en-US" smtClean="0"/>
-              <a:t>2025-06-03</a:t>
+              <a:t>2025-06-14</a:t>
             </a:fld>
             <a:endParaRPr lang="ko-KR" altLang="en-US"/>
           </a:p>
@@ -608,7 +608,7 @@
           <a:p>
             <a:fld id="{F177247E-4D30-4068-912B-FDE8C9049D68}" type="datetimeFigureOut">
               <a:rPr lang="ko-KR" altLang="en-US" smtClean="0"/>
-              <a:t>2025-06-03</a:t>
+              <a:t>2025-06-14</a:t>
             </a:fld>
             <a:endParaRPr lang="ko-KR" altLang="en-US"/>
           </a:p>
@@ -776,7 +776,7 @@
           <a:p>
             <a:fld id="{F177247E-4D30-4068-912B-FDE8C9049D68}" type="datetimeFigureOut">
               <a:rPr lang="ko-KR" altLang="en-US" smtClean="0"/>
-              <a:t>2025-06-03</a:t>
+              <a:t>2025-06-14</a:t>
             </a:fld>
             <a:endParaRPr lang="ko-KR" altLang="en-US"/>
           </a:p>
@@ -1021,7 +1021,7 @@
           <a:p>
             <a:fld id="{F177247E-4D30-4068-912B-FDE8C9049D68}" type="datetimeFigureOut">
               <a:rPr lang="ko-KR" altLang="en-US" smtClean="0"/>
-              <a:t>2025-06-03</a:t>
+              <a:t>2025-06-14</a:t>
             </a:fld>
             <a:endParaRPr lang="ko-KR" altLang="en-US"/>
           </a:p>
@@ -1250,7 +1250,7 @@
           <a:p>
             <a:fld id="{F177247E-4D30-4068-912B-FDE8C9049D68}" type="datetimeFigureOut">
               <a:rPr lang="ko-KR" altLang="en-US" smtClean="0"/>
-              <a:t>2025-06-03</a:t>
+              <a:t>2025-06-14</a:t>
             </a:fld>
             <a:endParaRPr lang="ko-KR" altLang="en-US"/>
           </a:p>
@@ -1614,7 +1614,7 @@
           <a:p>
             <a:fld id="{F177247E-4D30-4068-912B-FDE8C9049D68}" type="datetimeFigureOut">
               <a:rPr lang="ko-KR" altLang="en-US" smtClean="0"/>
-              <a:t>2025-06-03</a:t>
+              <a:t>2025-06-14</a:t>
             </a:fld>
             <a:endParaRPr lang="ko-KR" altLang="en-US"/>
           </a:p>
@@ -1731,7 +1731,7 @@
           <a:p>
             <a:fld id="{F177247E-4D30-4068-912B-FDE8C9049D68}" type="datetimeFigureOut">
               <a:rPr lang="ko-KR" altLang="en-US" smtClean="0"/>
-              <a:t>2025-06-03</a:t>
+              <a:t>2025-06-14</a:t>
             </a:fld>
             <a:endParaRPr lang="ko-KR" altLang="en-US"/>
           </a:p>
@@ -1826,7 +1826,7 @@
           <a:p>
             <a:fld id="{F177247E-4D30-4068-912B-FDE8C9049D68}" type="datetimeFigureOut">
               <a:rPr lang="ko-KR" altLang="en-US" smtClean="0"/>
-              <a:t>2025-06-03</a:t>
+              <a:t>2025-06-14</a:t>
             </a:fld>
             <a:endParaRPr lang="ko-KR" altLang="en-US"/>
           </a:p>
@@ -2101,7 +2101,7 @@
           <a:p>
             <a:fld id="{F177247E-4D30-4068-912B-FDE8C9049D68}" type="datetimeFigureOut">
               <a:rPr lang="ko-KR" altLang="en-US" smtClean="0"/>
-              <a:t>2025-06-03</a:t>
+              <a:t>2025-06-14</a:t>
             </a:fld>
             <a:endParaRPr lang="ko-KR" altLang="en-US"/>
           </a:p>
@@ -2353,7 +2353,7 @@
           <a:p>
             <a:fld id="{F177247E-4D30-4068-912B-FDE8C9049D68}" type="datetimeFigureOut">
               <a:rPr lang="ko-KR" altLang="en-US" smtClean="0"/>
-              <a:t>2025-06-03</a:t>
+              <a:t>2025-06-14</a:t>
             </a:fld>
             <a:endParaRPr lang="ko-KR" altLang="en-US"/>
           </a:p>
@@ -2570,7 +2570,7 @@
           <a:p>
             <a:fld id="{F177247E-4D30-4068-912B-FDE8C9049D68}" type="datetimeFigureOut">
               <a:rPr lang="ko-KR" altLang="en-US" smtClean="0"/>
-              <a:t>2025-06-03</a:t>
+              <a:t>2025-06-14</a:t>
             </a:fld>
             <a:endParaRPr lang="ko-KR" altLang="en-US"/>
           </a:p>
@@ -5165,7 +5165,7 @@
           <a:p>
             <a:r>
               <a:rPr lang="ko-KR" altLang="en-US" sz="2200" dirty="0"/>
-              <a:t>미스매치 발생</a:t>
+              <a:t>정확도의 한계</a:t>
             </a:r>
             <a:r>
               <a:rPr lang="en-US" altLang="ko-KR" sz="2200" dirty="0"/>
@@ -5173,7 +5173,7 @@
             </a:r>
             <a:r>
               <a:rPr lang="ko-KR" altLang="en-US" sz="2200" dirty="0"/>
-              <a:t>트랜지스터의 공정 오차로 인해 전류의 불일치가 발생한다</a:t>
+              <a:t>트랜지스터 간의 불일치에 의해 출력 전류와 입력 전류가 완전히 일치하지 않을 수 있다</a:t>
             </a:r>
             <a:r>
               <a:rPr lang="en-US" altLang="ko-KR" sz="2200" dirty="0"/>
@@ -5183,7 +5183,7 @@
           <a:p>
             <a:r>
               <a:rPr lang="ko-KR" altLang="en-US" sz="2200" dirty="0"/>
-              <a:t>출력 저항 유한</a:t>
+              <a:t>출력 임피던스</a:t>
             </a:r>
             <a:r>
               <a:rPr lang="en-US" altLang="ko-KR" sz="2200" dirty="0"/>
@@ -5191,15 +5191,7 @@
             </a:r>
             <a:r>
               <a:rPr lang="ko-KR" altLang="en-US" sz="2200" dirty="0"/>
-              <a:t>출력 임피던스가 유한하기 때문에 전류의 </a:t>
-            </a:r>
-            <a:r>
-              <a:rPr lang="ko-KR" altLang="en-US" sz="2200" dirty="0" err="1"/>
-              <a:t>흐름값이</a:t>
-            </a:r>
-            <a:r>
-              <a:rPr lang="ko-KR" altLang="en-US" sz="2200" dirty="0"/>
-              <a:t> 변한다</a:t>
+              <a:t>실제 전류 미러는 이상적인 모델과는 달리 제한된 출력 임피던스를 가지고 있기 때문에 부하에 따라 전류가 변할 수 있다</a:t>
             </a:r>
             <a:r>
               <a:rPr lang="en-US" altLang="ko-KR" sz="2200" dirty="0"/>
@@ -5208,24 +5200,32 @@
           </a:p>
           <a:p>
             <a:r>
-              <a:rPr lang="ko-KR" altLang="en-US" sz="2200" dirty="0" err="1"/>
-              <a:t>헤드룸</a:t>
-            </a:r>
-            <a:r>
               <a:rPr lang="ko-KR" altLang="en-US" sz="2200" dirty="0"/>
-              <a:t> 문제</a:t>
+              <a:t>전압 강하</a:t>
             </a:r>
             <a:r>
               <a:rPr lang="en-US" altLang="ko-KR" sz="2200" dirty="0"/>
               <a:t>: </a:t>
             </a:r>
             <a:r>
-              <a:rPr lang="ko-KR" altLang="en-US" sz="2200"/>
-              <a:t>전압이 낮을수록 </a:t>
-            </a:r>
-            <a:r>
               <a:rPr lang="ko-KR" altLang="en-US" sz="2200" dirty="0"/>
-              <a:t>전자 포화 영역 유지가 어렵다</a:t>
+              <a:t>동작을 위해 일정한 </a:t>
+            </a:r>
+            <a:r>
+              <a:rPr lang="en-US" altLang="ko-KR" sz="2200" dirty="0"/>
+              <a:t>V_DS(min) </a:t>
+            </a:r>
+            <a:r>
+              <a:rPr lang="ko-KR" altLang="en-US" sz="2200" dirty="0"/>
+              <a:t>또는 </a:t>
+            </a:r>
+            <a:r>
+              <a:rPr lang="en-US" altLang="ko-KR" sz="2200" dirty="0"/>
+              <a:t>V_CE(min)</a:t>
+            </a:r>
+            <a:r>
+              <a:rPr lang="ko-KR" altLang="en-US" sz="2200" dirty="0"/>
+              <a:t>가 필요하므로 완전히 낮은 전압에는 부적합할 수 있다</a:t>
             </a:r>
             <a:r>
               <a:rPr lang="en-US" altLang="ko-KR" sz="2200" dirty="0"/>
@@ -5235,15 +5235,7 @@
           <a:p>
             <a:r>
               <a:rPr lang="ko-KR" altLang="en-US" sz="2200" dirty="0"/>
-              <a:t>온도</a:t>
-            </a:r>
-            <a:r>
-              <a:rPr lang="en-US" altLang="ko-KR" sz="2200" dirty="0"/>
-              <a:t>, </a:t>
-            </a:r>
-            <a:r>
-              <a:rPr lang="ko-KR" altLang="en-US" sz="2200" dirty="0"/>
-              <a:t>공정 의존성</a:t>
+              <a:t>온도 의존성</a:t>
             </a:r>
             <a:r>
               <a:rPr lang="en-US" altLang="ko-KR" sz="2200" dirty="0"/>
@@ -5251,7 +5243,7 @@
             </a:r>
             <a:r>
               <a:rPr lang="ko-KR" altLang="en-US" sz="2200" dirty="0"/>
-              <a:t>외부 환경에 따라 복사하는 전류에 오차가 발생한다</a:t>
+              <a:t>트랜지스터의 특성이 온도에 영향을 받기 때문에 온도 변화에 민감하다</a:t>
             </a:r>
             <a:r>
               <a:rPr lang="en-US" altLang="ko-KR" sz="2200" dirty="0"/>
@@ -5261,15 +5253,19 @@
           <a:p>
             <a:r>
               <a:rPr lang="ko-KR" altLang="en-US" sz="2200" dirty="0"/>
-              <a:t>느린 응답 속도</a:t>
+              <a:t>고주파 성능 제한</a:t>
             </a:r>
             <a:r>
               <a:rPr lang="en-US" altLang="ko-KR" sz="2200" dirty="0"/>
               <a:t>: </a:t>
             </a:r>
             <a:r>
+              <a:rPr lang="ko-KR" altLang="en-US" sz="2200" dirty="0" err="1"/>
+              <a:t>커패시턴스</a:t>
+            </a:r>
+            <a:r>
               <a:rPr lang="ko-KR" altLang="en-US" sz="2200" dirty="0"/>
-              <a:t>용량 부하가 클수록 응답 속도가 느려진다</a:t>
+              <a:t> 및 다른 파라미터로 인해 고주파 영역에서 이상적인 성능을 보장하기 어렵다</a:t>
             </a:r>
             <a:r>
               <a:rPr lang="en-US" altLang="ko-KR" sz="2200" dirty="0"/>
